--- a/topic03/talk1/talk1 [Autosaved].pptx
+++ b/topic03/talk1/talk1 [Autosaved].pptx
@@ -288,7 +288,7 @@
           <a:p>
             <a:fld id="{A52BE0AD-A4E5-EF4B-97DD-8C022A854E15}" type="datetimeFigureOut">
               <a:rPr lang="en-US" smtClean="0"/>
-              <a:t>1/29/2020</a:t>
+              <a:t>1/26/2023</a:t>
             </a:fld>
             <a:endParaRPr lang="en-US"/>
           </a:p>
@@ -454,7 +454,7 @@
           <a:p>
             <a:fld id="{FA2F4B5F-1EBB-2641-B8C6-5B7970E359B8}" type="datetimeFigureOut">
               <a:rPr lang="en-US" smtClean="0"/>
-              <a:t>1/29/2020</a:t>
+              <a:t>1/26/2023</a:t>
             </a:fld>
             <a:endParaRPr lang="en-US"/>
           </a:p>
@@ -871,7 +871,7 @@
           <a:p>
             <a:fld id="{FB2FA76B-CACE-094A-822C-FBE34B369C2B}" type="datetime1">
               <a:rPr lang="en-US" smtClean="0"/>
-              <a:t>1/29/2020</a:t>
+              <a:t>1/26/2023</a:t>
             </a:fld>
             <a:endParaRPr lang="en-US" dirty="0"/>
           </a:p>
@@ -1073,7 +1073,7 @@
           <a:p>
             <a:fld id="{FB2FA76B-CACE-094A-822C-FBE34B369C2B}" type="datetime1">
               <a:rPr lang="en-US" smtClean="0"/>
-              <a:t>1/29/2020</a:t>
+              <a:t>1/26/2023</a:t>
             </a:fld>
             <a:endParaRPr lang="en-US" dirty="0"/>
           </a:p>
@@ -1285,7 +1285,7 @@
           <a:p>
             <a:fld id="{FB2FA76B-CACE-094A-822C-FBE34B369C2B}" type="datetime1">
               <a:rPr lang="en-US" smtClean="0"/>
-              <a:t>1/29/2020</a:t>
+              <a:t>1/26/2023</a:t>
             </a:fld>
             <a:endParaRPr lang="en-US" dirty="0"/>
           </a:p>
@@ -1487,7 +1487,7 @@
           <a:p>
             <a:fld id="{DD7CB722-50A8-CA45-B154-66D4B948729F}" type="datetime1">
               <a:rPr lang="en-US" smtClean="0"/>
-              <a:t>1/29/2020</a:t>
+              <a:t>1/26/2023</a:t>
             </a:fld>
             <a:endParaRPr lang="en-US" dirty="0"/>
           </a:p>
@@ -1763,7 +1763,7 @@
           <a:p>
             <a:fld id="{FB2FA76B-CACE-094A-822C-FBE34B369C2B}" type="datetime1">
               <a:rPr lang="en-US" smtClean="0"/>
-              <a:t>1/29/2020</a:t>
+              <a:t>1/26/2023</a:t>
             </a:fld>
             <a:endParaRPr lang="en-US" dirty="0"/>
           </a:p>
@@ -2033,7 +2033,7 @@
           <a:p>
             <a:fld id="{1C1E2541-76FA-F44F-9A11-26451BE8F0FA}" type="datetime1">
               <a:rPr lang="en-US" smtClean="0"/>
-              <a:t>1/29/2020</a:t>
+              <a:t>1/26/2023</a:t>
             </a:fld>
             <a:endParaRPr lang="en-US" dirty="0"/>
           </a:p>
@@ -2448,7 +2448,7 @@
           <a:p>
             <a:fld id="{FB2FA76B-CACE-094A-822C-FBE34B369C2B}" type="datetime1">
               <a:rPr lang="en-US" smtClean="0"/>
-              <a:t>1/29/2020</a:t>
+              <a:t>1/26/2023</a:t>
             </a:fld>
             <a:endParaRPr lang="en-US" dirty="0"/>
           </a:p>
@@ -2592,7 +2592,7 @@
           <a:p>
             <a:fld id="{FB2FA76B-CACE-094A-822C-FBE34B369C2B}" type="datetime1">
               <a:rPr lang="en-US" smtClean="0"/>
-              <a:t>1/29/2020</a:t>
+              <a:t>1/26/2023</a:t>
             </a:fld>
             <a:endParaRPr lang="en-US" dirty="0"/>
           </a:p>
@@ -2707,7 +2707,7 @@
           <a:p>
             <a:fld id="{FB2FA76B-CACE-094A-822C-FBE34B369C2B}" type="datetime1">
               <a:rPr lang="en-US" smtClean="0"/>
-              <a:t>1/29/2020</a:t>
+              <a:t>1/26/2023</a:t>
             </a:fld>
             <a:endParaRPr lang="en-US" dirty="0"/>
           </a:p>
@@ -3022,7 +3022,7 @@
           <a:p>
             <a:fld id="{F98565CF-495F-3541-AA44-1C7662F24BC6}" type="datetime1">
               <a:rPr lang="en-US" smtClean="0"/>
-              <a:t>1/29/2020</a:t>
+              <a:t>1/26/2023</a:t>
             </a:fld>
             <a:endParaRPr lang="en-US" dirty="0"/>
           </a:p>
@@ -3312,7 +3312,7 @@
           <a:p>
             <a:fld id="{FB2FA76B-CACE-094A-822C-FBE34B369C2B}" type="datetime1">
               <a:rPr lang="en-US" smtClean="0"/>
-              <a:t>1/29/2020</a:t>
+              <a:t>1/26/2023</a:t>
             </a:fld>
             <a:endParaRPr lang="en-US" dirty="0"/>
           </a:p>
@@ -3557,7 +3557,7 @@
           <a:p>
             <a:fld id="{FB2FA76B-CACE-094A-822C-FBE34B369C2B}" type="datetime1">
               <a:rPr lang="en-US" smtClean="0"/>
-              <a:t>1/29/2020</a:t>
+              <a:t>1/26/2023</a:t>
             </a:fld>
             <a:endParaRPr lang="en-US" dirty="0"/>
           </a:p>
@@ -3962,6 +3962,14 @@
 <file path=ppt/slides/slide1.xml><?xml version="1.0" encoding="utf-8"?>
 <p:sld xmlns:a="http://schemas.openxmlformats.org/drawingml/2006/main" xmlns:r="http://schemas.openxmlformats.org/officeDocument/2006/relationships" xmlns:p="http://schemas.openxmlformats.org/presentationml/2006/main">
   <p:cSld>
+    <p:bg>
+      <p:bgPr>
+        <a:solidFill>
+          <a:schemeClr val="bg1"/>
+        </a:solidFill>
+        <a:effectLst/>
+      </p:bgPr>
+    </p:bg>
     <p:spTree>
       <p:nvGrpSpPr>
         <p:cNvPr id="1" name=""/>
@@ -3976,6 +3984,177 @@
           <a:chExt cx="0" cy="0"/>
         </a:xfrm>
       </p:grpSpPr>
+      <p:pic>
+        <p:nvPicPr>
+          <p:cNvPr id="4" name="Picture 3" descr="Electronics protoboard">
+            <a:extLst>
+              <a:ext uri="{FF2B5EF4-FFF2-40B4-BE49-F238E27FC236}">
+                <a16:creationId xmlns:a16="http://schemas.microsoft.com/office/drawing/2014/main" id="{4EAF7679-914F-299F-5345-61AE8AD65693}"/>
+              </a:ext>
+            </a:extLst>
+          </p:cNvPr>
+          <p:cNvPicPr>
+            <a:picLocks noChangeAspect="1"/>
+          </p:cNvPicPr>
+          <p:nvPr/>
+        </p:nvPicPr>
+        <p:blipFill rotWithShape="1">
+          <a:blip r:embed="rId2"/>
+          <a:srcRect t="15730"/>
+          <a:stretch/>
+        </p:blipFill>
+        <p:spPr>
+          <a:xfrm>
+            <a:off x="20" y="10"/>
+            <a:ext cx="12191980" cy="6857990"/>
+          </a:xfrm>
+          <a:prstGeom prst="rect">
+            <a:avLst/>
+          </a:prstGeom>
+        </p:spPr>
+      </p:pic>
+      <p:sp>
+        <p:nvSpPr>
+          <p:cNvPr id="8" name="Freeform 5">
+            <a:extLst>
+              <a:ext uri="{FF2B5EF4-FFF2-40B4-BE49-F238E27FC236}">
+                <a16:creationId xmlns:a16="http://schemas.microsoft.com/office/drawing/2014/main" id="{87CC2527-562A-4F69-B487-4371E5B243E7}"/>
+              </a:ext>
+              <a:ext uri="{C183D7F6-B498-43B3-948B-1728B52AA6E4}">
+                <adec:decorative xmlns:adec="http://schemas.microsoft.com/office/drawing/2017/decorative" val="1"/>
+              </a:ext>
+            </a:extLst>
+          </p:cNvPr>
+          <p:cNvSpPr>
+            <a:spLocks noGrp="1" noRot="1" noChangeAspect="1" noMove="1" noResize="1" noEditPoints="1" noAdjustHandles="1" noChangeArrowheads="1" noChangeShapeType="1" noTextEdit="1"/>
+          </p:cNvSpPr>
+          <p:nvPr>
+            <p:extLst>
+              <p:ext uri="{386F3935-93C4-4BCD-93E2-E3B085C9AB24}">
+                <p16:designElem xmlns:p16="http://schemas.microsoft.com/office/powerpoint/2015/main" val="1"/>
+              </p:ext>
+            </p:extLst>
+          </p:nvPr>
+        </p:nvSpPr>
+        <p:spPr bwMode="grayWhite">
+          <a:xfrm>
+            <a:off x="7488621" y="2277613"/>
+            <a:ext cx="4703379" cy="4580387"/>
+          </a:xfrm>
+          <a:custGeom>
+            <a:avLst/>
+            <a:gdLst>
+              <a:gd name="T0" fmla="*/ 1333 w 1333"/>
+              <a:gd name="T1" fmla="*/ 1031 h 1298"/>
+              <a:gd name="T2" fmla="*/ 1333 w 1333"/>
+              <a:gd name="T3" fmla="*/ 380 h 1298"/>
+              <a:gd name="T4" fmla="*/ 706 w 1333"/>
+              <a:gd name="T5" fmla="*/ 0 h 1298"/>
+              <a:gd name="T6" fmla="*/ 0 w 1333"/>
+              <a:gd name="T7" fmla="*/ 706 h 1298"/>
+              <a:gd name="T8" fmla="*/ 323 w 1333"/>
+              <a:gd name="T9" fmla="*/ 1298 h 1298"/>
+              <a:gd name="T10" fmla="*/ 1090 w 1333"/>
+              <a:gd name="T11" fmla="*/ 1298 h 1298"/>
+              <a:gd name="T12" fmla="*/ 1333 w 1333"/>
+              <a:gd name="T13" fmla="*/ 1031 h 1298"/>
+            </a:gdLst>
+            <a:ahLst/>
+            <a:cxnLst>
+              <a:cxn ang="0">
+                <a:pos x="T0" y="T1"/>
+              </a:cxn>
+              <a:cxn ang="0">
+                <a:pos x="T2" y="T3"/>
+              </a:cxn>
+              <a:cxn ang="0">
+                <a:pos x="T4" y="T5"/>
+              </a:cxn>
+              <a:cxn ang="0">
+                <a:pos x="T6" y="T7"/>
+              </a:cxn>
+              <a:cxn ang="0">
+                <a:pos x="T8" y="T9"/>
+              </a:cxn>
+              <a:cxn ang="0">
+                <a:pos x="T10" y="T11"/>
+              </a:cxn>
+              <a:cxn ang="0">
+                <a:pos x="T12" y="T13"/>
+              </a:cxn>
+            </a:cxnLst>
+            <a:rect l="0" t="0" r="r" b="b"/>
+            <a:pathLst>
+              <a:path w="1333" h="1298">
+                <a:moveTo>
+                  <a:pt x="1333" y="1031"/>
+                </a:moveTo>
+                <a:cubicBezTo>
+                  <a:pt x="1333" y="380"/>
+                  <a:pt x="1333" y="380"/>
+                  <a:pt x="1333" y="380"/>
+                </a:cubicBezTo>
+                <a:cubicBezTo>
+                  <a:pt x="1215" y="154"/>
+                  <a:pt x="979" y="0"/>
+                  <a:pt x="706" y="0"/>
+                </a:cubicBezTo>
+                <a:cubicBezTo>
+                  <a:pt x="317" y="0"/>
+                  <a:pt x="0" y="316"/>
+                  <a:pt x="0" y="706"/>
+                </a:cubicBezTo>
+                <a:cubicBezTo>
+                  <a:pt x="0" y="954"/>
+                  <a:pt x="129" y="1172"/>
+                  <a:pt x="323" y="1298"/>
+                </a:cubicBezTo>
+                <a:cubicBezTo>
+                  <a:pt x="1090" y="1298"/>
+                  <a:pt x="1090" y="1298"/>
+                  <a:pt x="1090" y="1298"/>
+                </a:cubicBezTo>
+                <a:cubicBezTo>
+                  <a:pt x="1193" y="1232"/>
+                  <a:pt x="1276" y="1140"/>
+                  <a:pt x="1333" y="1031"/>
+                </a:cubicBezTo>
+                <a:close/>
+              </a:path>
+            </a:pathLst>
+          </a:custGeom>
+          <a:solidFill>
+            <a:schemeClr val="bg1">
+              <a:alpha val="70000"/>
+            </a:schemeClr>
+          </a:solidFill>
+          <a:ln w="50800" cap="sq" cmpd="dbl">
+            <a:noFill/>
+            <a:miter lim="800000"/>
+          </a:ln>
+          <a:effectLst/>
+        </p:spPr>
+        <p:txBody>
+          <a:bodyPr vert="horz" lIns="91440" tIns="45720" rIns="91440" bIns="45720" rtlCol="0" anchor="t">
+            <a:normAutofit/>
+          </a:bodyPr>
+          <a:lstStyle/>
+          <a:p>
+            <a:pPr algn="ctr">
+              <a:spcAft>
+                <a:spcPts val="1000"/>
+              </a:spcAft>
+              <a:buClr>
+                <a:schemeClr val="tx1"/>
+              </a:buClr>
+              <a:buSzPct val="100000"/>
+              <a:buFont typeface="Arial"/>
+              <a:buNone/>
+            </a:pPr>
+            <a:endParaRPr lang="en-US" sz="1600" cap="all"/>
+          </a:p>
+        </p:txBody>
+      </p:sp>
       <p:sp>
         <p:nvSpPr>
           <p:cNvPr id="2" name="Title 1">
@@ -3992,18 +4171,82 @@
             <p:ph type="title"/>
           </p:nvPr>
         </p:nvSpPr>
-        <p:spPr/>
-        <p:txBody>
-          <a:bodyPr/>
-          <a:lstStyle/>
-          <a:p>
-            <a:r>
-              <a:rPr lang="en-IE" dirty="0"/>
+        <p:spPr>
+          <a:xfrm>
+            <a:off x="8022021" y="3231931"/>
+            <a:ext cx="3852041" cy="1834056"/>
+          </a:xfrm>
+        </p:spPr>
+        <p:txBody>
+          <a:bodyPr vert="horz" lIns="91440" tIns="45720" rIns="91440" bIns="45720" rtlCol="0" anchor="b">
+            <a:normAutofit/>
+          </a:bodyPr>
+          <a:lstStyle/>
+          <a:p>
+            <a:pPr algn="ctr"/>
+            <a:r>
+              <a:rPr lang="en-US" sz="4000"/>
               <a:t>Basic Electronic Theory</a:t>
             </a:r>
           </a:p>
         </p:txBody>
       </p:sp>
+      <p:cxnSp>
+        <p:nvCxnSpPr>
+          <p:cNvPr id="10" name="Straight Connector 9">
+            <a:extLst>
+              <a:ext uri="{FF2B5EF4-FFF2-40B4-BE49-F238E27FC236}">
+                <a16:creationId xmlns:a16="http://schemas.microsoft.com/office/drawing/2014/main" id="{BCDAEC91-5BCE-4B55-9CC0-43EF94CB734B}"/>
+              </a:ext>
+              <a:ext uri="{C183D7F6-B498-43B3-948B-1728B52AA6E4}">
+                <adec:decorative xmlns:adec="http://schemas.microsoft.com/office/drawing/2017/decorative" val="1"/>
+              </a:ext>
+            </a:extLst>
+          </p:cNvPr>
+          <p:cNvCxnSpPr>
+            <a:cxnSpLocks noGrp="1" noRot="1" noChangeAspect="1" noMove="1" noResize="1" noEditPoints="1" noAdjustHandles="1" noChangeArrowheads="1" noChangeShapeType="1"/>
+          </p:cNvCxnSpPr>
+          <p:nvPr>
+            <p:extLst>
+              <p:ext uri="{386F3935-93C4-4BCD-93E2-E3B085C9AB24}">
+                <p16:designElem xmlns:p16="http://schemas.microsoft.com/office/powerpoint/2015/main" val="1"/>
+              </p:ext>
+            </p:extLst>
+          </p:nvPr>
+        </p:nvCxnSpPr>
+        <p:spPr>
+          <a:xfrm>
+            <a:off x="9480331" y="5123793"/>
+            <a:ext cx="935420" cy="0"/>
+          </a:xfrm>
+          <a:prstGeom prst="line">
+            <a:avLst/>
+          </a:prstGeom>
+          <a:ln w="25400" cap="sq">
+            <a:solidFill>
+              <a:schemeClr val="tx1">
+                <a:lumMod val="85000"/>
+                <a:lumOff val="15000"/>
+              </a:schemeClr>
+            </a:solidFill>
+            <a:bevel/>
+          </a:ln>
+        </p:spPr>
+        <p:style>
+          <a:lnRef idx="1">
+            <a:schemeClr val="accent1"/>
+          </a:lnRef>
+          <a:fillRef idx="0">
+            <a:schemeClr val="accent1"/>
+          </a:fillRef>
+          <a:effectRef idx="0">
+            <a:schemeClr val="accent1"/>
+          </a:effectRef>
+          <a:fontRef idx="minor">
+            <a:schemeClr val="tx1"/>
+          </a:fontRef>
+        </p:style>
+      </p:cxnSp>
     </p:spTree>
     <p:extLst>
       <p:ext uri="{BB962C8B-B14F-4D97-AF65-F5344CB8AC3E}">
@@ -4079,12 +4322,12 @@
           <a:graphicData uri="http://schemas.openxmlformats.org/presentationml/2006/ole">
             <mc:AlternateContent xmlns:mc="http://schemas.openxmlformats.org/markup-compatibility/2006">
               <mc:Choice xmlns:v="urn:schemas-microsoft-com:vml" Requires="v">
-                <p:oleObj spid="_x0000_s2073" name="Equation" r:id="rId3" imgW="1054100" imgH="812800" progId="Equation.3">
+                <p:oleObj name="Equation" r:id="rId2" imgW="1054100" imgH="812800" progId="Equation.3">
                   <p:embed/>
                 </p:oleObj>
               </mc:Choice>
               <mc:Fallback>
-                <p:oleObj name="Equation" r:id="rId3" imgW="1054100" imgH="812800" progId="Equation.3">
+                <p:oleObj name="Equation" r:id="rId2" imgW="1054100" imgH="812800" progId="Equation.3">
                   <p:embed/>
                   <p:pic>
                     <p:nvPicPr>
@@ -4093,7 +4336,7 @@
                       <p:nvPr/>
                     </p:nvPicPr>
                     <p:blipFill>
-                      <a:blip r:embed="rId4"/>
+                      <a:blip r:embed="rId3"/>
                       <a:stretch>
                         <a:fillRect/>
                       </a:stretch>
@@ -4125,7 +4368,7 @@
           </p:nvPr>
         </p:nvPicPr>
         <p:blipFill>
-          <a:blip r:embed="rId5">
+          <a:blip r:embed="rId4">
             <a:extLst>
               <a:ext uri="{28A0092B-C50C-407E-A947-70E740481C1C}">
                 <a14:useLocalDpi xmlns:a14="http://schemas.microsoft.com/office/drawing/2010/main" val="0"/>
@@ -4242,12 +4485,12 @@
           <a:graphicData uri="http://schemas.openxmlformats.org/presentationml/2006/ole">
             <mc:AlternateContent xmlns:mc="http://schemas.openxmlformats.org/markup-compatibility/2006">
               <mc:Choice xmlns:v="urn:schemas-microsoft-com:vml" Requires="v">
-                <p:oleObj spid="_x0000_s4121" name="Equation" r:id="rId3" imgW="1485900" imgH="1066800" progId="Equation.3">
+                <p:oleObj name="Equation" r:id="rId2" imgW="1485900" imgH="1066800" progId="Equation.3">
                   <p:embed/>
                 </p:oleObj>
               </mc:Choice>
               <mc:Fallback>
-                <p:oleObj name="Equation" r:id="rId3" imgW="1485900" imgH="1066800" progId="Equation.3">
+                <p:oleObj name="Equation" r:id="rId2" imgW="1485900" imgH="1066800" progId="Equation.3">
                   <p:embed/>
                   <p:pic>
                     <p:nvPicPr>
@@ -4256,7 +4499,7 @@
                       <p:nvPr/>
                     </p:nvPicPr>
                     <p:blipFill>
-                      <a:blip r:embed="rId4"/>
+                      <a:blip r:embed="rId3"/>
                       <a:stretch>
                         <a:fillRect/>
                       </a:stretch>
@@ -4288,7 +4531,7 @@
           </p:nvPr>
         </p:nvPicPr>
         <p:blipFill>
-          <a:blip r:embed="rId5">
+          <a:blip r:embed="rId4">
             <a:extLst>
               <a:ext uri="{28A0092B-C50C-407E-A947-70E740481C1C}">
                 <a14:useLocalDpi xmlns:a14="http://schemas.microsoft.com/office/drawing/2010/main" val="0"/>
@@ -4405,12 +4648,12 @@
           <a:graphicData uri="http://schemas.openxmlformats.org/presentationml/2006/ole">
             <mc:AlternateContent xmlns:mc="http://schemas.openxmlformats.org/markup-compatibility/2006">
               <mc:Choice xmlns:v="urn:schemas-microsoft-com:vml" Requires="v">
-                <p:oleObj spid="_x0000_s5143" name="Equation" r:id="rId3" imgW="1181100" imgH="939800" progId="Equation.3">
+                <p:oleObj name="Equation" r:id="rId2" imgW="1181100" imgH="939800" progId="Equation.3">
                   <p:embed/>
                 </p:oleObj>
               </mc:Choice>
               <mc:Fallback>
-                <p:oleObj name="Equation" r:id="rId3" imgW="1181100" imgH="939800" progId="Equation.3">
+                <p:oleObj name="Equation" r:id="rId2" imgW="1181100" imgH="939800" progId="Equation.3">
                   <p:embed/>
                   <p:pic>
                     <p:nvPicPr>
@@ -4419,7 +4662,7 @@
                       <p:nvPr/>
                     </p:nvPicPr>
                     <p:blipFill>
-                      <a:blip r:embed="rId4"/>
+                      <a:blip r:embed="rId3"/>
                       <a:stretch>
                         <a:fillRect/>
                       </a:stretch>
@@ -4457,10 +4700,10 @@
           </p:nvPr>
         </p:nvPicPr>
         <p:blipFill>
-          <a:blip r:embed="rId5">
+          <a:blip r:embed="rId4">
             <a:extLst>
               <a:ext uri="{837473B0-CC2E-450A-ABE3-18F120FF3D39}">
-                <a1611:picAttrSrcUrl xmlns:a1611="http://schemas.microsoft.com/office/drawing/2016/11/main" r:id="rId6"/>
+                <a1611:picAttrSrcUrl xmlns:a1611="http://schemas.microsoft.com/office/drawing/2016/11/main" r:id="rId5"/>
               </a:ext>
             </a:extLst>
           </a:blip>
@@ -4529,7 +4772,7 @@
           <a:p>
             <a:r>
               <a:rPr lang="en-IE" sz="900">
-                <a:hlinkClick r:id="rId6" tooltip="https://raspberrypi.stackexchange.com/questions/33010/how-to-read-analog-5v-sensor-ouput-with-digital-3-3v-gpio"/>
+                <a:hlinkClick r:id="rId5" tooltip="https://raspberrypi.stackexchange.com/questions/33010/how-to-read-analog-5v-sensor-ouput-with-digital-3-3v-gpio"/>
               </a:rPr>
               <a:t>This Photo</a:t>
             </a:r>
@@ -4539,7 +4782,7 @@
             </a:r>
             <a:r>
               <a:rPr lang="en-IE" sz="900">
-                <a:hlinkClick r:id="rId7" tooltip="https://creativecommons.org/licenses/by-sa/3.0/"/>
+                <a:hlinkClick r:id="rId6" tooltip="https://creativecommons.org/licenses/by-sa/3.0/"/>
               </a:rPr>
               <a:t>CC BY-SA</a:t>
             </a:r>
@@ -4825,12 +5068,12 @@
           <a:graphicData uri="http://schemas.openxmlformats.org/presentationml/2006/ole">
             <mc:AlternateContent xmlns:mc="http://schemas.openxmlformats.org/markup-compatibility/2006">
               <mc:Choice xmlns:v="urn:schemas-microsoft-com:vml" Requires="v">
-                <p:oleObj spid="_x0000_s6166" name="Equation" r:id="rId3" imgW="546100" imgH="685800" progId="Equation.3">
+                <p:oleObj name="Equation" r:id="rId2" imgW="546100" imgH="685800" progId="Equation.3">
                   <p:embed/>
                 </p:oleObj>
               </mc:Choice>
               <mc:Fallback>
-                <p:oleObj name="Equation" r:id="rId3" imgW="546100" imgH="685800" progId="Equation.3">
+                <p:oleObj name="Equation" r:id="rId2" imgW="546100" imgH="685800" progId="Equation.3">
                   <p:embed/>
                   <p:pic>
                     <p:nvPicPr>
@@ -4839,7 +5082,7 @@
                       <p:nvPr/>
                     </p:nvPicPr>
                     <p:blipFill>
-                      <a:blip r:embed="rId4"/>
+                      <a:blip r:embed="rId3"/>
                       <a:stretch>
                         <a:fillRect/>
                       </a:stretch>
@@ -4871,7 +5114,7 @@
           </p:nvPr>
         </p:nvPicPr>
         <p:blipFill>
-          <a:blip r:embed="rId5">
+          <a:blip r:embed="rId4">
             <a:extLst>
               <a:ext uri="{28A0092B-C50C-407E-A947-70E740481C1C}">
                 <a14:useLocalDpi xmlns:a14="http://schemas.microsoft.com/office/drawing/2010/main" val="0"/>
@@ -5148,12 +5391,12 @@
           <a:graphicData uri="http://schemas.openxmlformats.org/presentationml/2006/ole">
             <mc:AlternateContent xmlns:mc="http://schemas.openxmlformats.org/markup-compatibility/2006">
               <mc:Choice xmlns:v="urn:schemas-microsoft-com:vml" Requires="v">
-                <p:oleObj spid="_x0000_s7189" name="Equation" r:id="rId3" imgW="584200" imgH="685800" progId="Equation.3">
+                <p:oleObj name="Equation" r:id="rId2" imgW="584200" imgH="685800" progId="Equation.3">
                   <p:embed/>
                 </p:oleObj>
               </mc:Choice>
               <mc:Fallback>
-                <p:oleObj name="Equation" r:id="rId3" imgW="584200" imgH="685800" progId="Equation.3">
+                <p:oleObj name="Equation" r:id="rId2" imgW="584200" imgH="685800" progId="Equation.3">
                   <p:embed/>
                   <p:pic>
                     <p:nvPicPr>
@@ -5162,7 +5405,7 @@
                       <p:nvPr/>
                     </p:nvPicPr>
                     <p:blipFill>
-                      <a:blip r:embed="rId4"/>
+                      <a:blip r:embed="rId3"/>
                       <a:stretch>
                         <a:fillRect/>
                       </a:stretch>
@@ -5194,7 +5437,7 @@
           </p:nvPr>
         </p:nvPicPr>
         <p:blipFill>
-          <a:blip r:embed="rId5">
+          <a:blip r:embed="rId4">
             <a:extLst>
               <a:ext uri="{28A0092B-C50C-407E-A947-70E740481C1C}">
                 <a14:useLocalDpi xmlns:a14="http://schemas.microsoft.com/office/drawing/2010/main" val="0"/>
@@ -5471,12 +5714,12 @@
           <a:graphicData uri="http://schemas.openxmlformats.org/presentationml/2006/ole">
             <mc:AlternateContent xmlns:mc="http://schemas.openxmlformats.org/markup-compatibility/2006">
               <mc:Choice xmlns:v="urn:schemas-microsoft-com:vml" Requires="v">
-                <p:oleObj spid="_x0000_s8213" name="Equation" r:id="rId3" imgW="558800" imgH="685800" progId="Equation.3">
+                <p:oleObj name="Equation" r:id="rId2" imgW="558800" imgH="685800" progId="Equation.3">
                   <p:embed/>
                 </p:oleObj>
               </mc:Choice>
               <mc:Fallback>
-                <p:oleObj name="Equation" r:id="rId3" imgW="558800" imgH="685800" progId="Equation.3">
+                <p:oleObj name="Equation" r:id="rId2" imgW="558800" imgH="685800" progId="Equation.3">
                   <p:embed/>
                   <p:pic>
                     <p:nvPicPr>
@@ -5485,7 +5728,7 @@
                       <p:nvPr/>
                     </p:nvPicPr>
                     <p:blipFill>
-                      <a:blip r:embed="rId4"/>
+                      <a:blip r:embed="rId3"/>
                       <a:stretch>
                         <a:fillRect/>
                       </a:stretch>
@@ -5517,7 +5760,7 @@
           </p:nvPr>
         </p:nvPicPr>
         <p:blipFill>
-          <a:blip r:embed="rId5">
+          <a:blip r:embed="rId4">
             <a:extLst>
               <a:ext uri="{28A0092B-C50C-407E-A947-70E740481C1C}">
                 <a14:useLocalDpi xmlns:a14="http://schemas.microsoft.com/office/drawing/2010/main" val="0"/>
@@ -5794,12 +6037,12 @@
           <a:graphicData uri="http://schemas.openxmlformats.org/presentationml/2006/ole">
             <mc:AlternateContent xmlns:mc="http://schemas.openxmlformats.org/markup-compatibility/2006">
               <mc:Choice xmlns:v="urn:schemas-microsoft-com:vml" Requires="v">
-                <p:oleObj spid="_x0000_s9237" name="Equation" r:id="rId3" imgW="596900" imgH="685800" progId="Equation.3">
+                <p:oleObj name="Equation" r:id="rId2" imgW="596900" imgH="685800" progId="Equation.3">
                   <p:embed/>
                 </p:oleObj>
               </mc:Choice>
               <mc:Fallback>
-                <p:oleObj name="Equation" r:id="rId3" imgW="596900" imgH="685800" progId="Equation.3">
+                <p:oleObj name="Equation" r:id="rId2" imgW="596900" imgH="685800" progId="Equation.3">
                   <p:embed/>
                   <p:pic>
                     <p:nvPicPr>
@@ -5808,7 +6051,7 @@
                       <p:nvPr/>
                     </p:nvPicPr>
                     <p:blipFill>
-                      <a:blip r:embed="rId4"/>
+                      <a:blip r:embed="rId3"/>
                       <a:stretch>
                         <a:fillRect/>
                       </a:stretch>
@@ -5840,7 +6083,7 @@
           </p:nvPr>
         </p:nvPicPr>
         <p:blipFill>
-          <a:blip r:embed="rId5">
+          <a:blip r:embed="rId4">
             <a:extLst>
               <a:ext uri="{28A0092B-C50C-407E-A947-70E740481C1C}">
                 <a14:useLocalDpi xmlns:a14="http://schemas.microsoft.com/office/drawing/2010/main" val="0"/>
@@ -6117,12 +6360,12 @@
           <a:graphicData uri="http://schemas.openxmlformats.org/presentationml/2006/ole">
             <mc:AlternateContent xmlns:mc="http://schemas.openxmlformats.org/markup-compatibility/2006">
               <mc:Choice xmlns:v="urn:schemas-microsoft-com:vml" Requires="v">
-                <p:oleObj spid="_x0000_s11285" name="Equation" r:id="rId3" imgW="558800" imgH="939800" progId="Equation.3">
+                <p:oleObj name="Equation" r:id="rId2" imgW="558800" imgH="939800" progId="Equation.3">
                   <p:embed/>
                 </p:oleObj>
               </mc:Choice>
               <mc:Fallback>
-                <p:oleObj name="Equation" r:id="rId3" imgW="558800" imgH="939800" progId="Equation.3">
+                <p:oleObj name="Equation" r:id="rId2" imgW="558800" imgH="939800" progId="Equation.3">
                   <p:embed/>
                   <p:pic>
                     <p:nvPicPr>
@@ -6131,7 +6374,7 @@
                       <p:nvPr/>
                     </p:nvPicPr>
                     <p:blipFill>
-                      <a:blip r:embed="rId4"/>
+                      <a:blip r:embed="rId3"/>
                       <a:stretch>
                         <a:fillRect/>
                       </a:stretch>
@@ -6163,7 +6406,7 @@
           </p:nvPr>
         </p:nvPicPr>
         <p:blipFill>
-          <a:blip r:embed="rId5">
+          <a:blip r:embed="rId4">
             <a:extLst>
               <a:ext uri="{28A0092B-C50C-407E-A947-70E740481C1C}">
                 <a14:useLocalDpi xmlns:a14="http://schemas.microsoft.com/office/drawing/2010/main" val="0"/>
@@ -10176,14 +10419,14 @@
           </a:ln>
           <a:extLst>
             <a:ext uri="{909E8E84-426E-40dd-AFC4-6F175D3DCCD1}">
-              <a14:hiddenFill xmlns:a14="http://schemas.microsoft.com/office/drawing/2010/main" xmlns="">
+              <a14:hiddenFill xmlns="" xmlns:a14="http://schemas.microsoft.com/office/drawing/2010/main">
                 <a:solidFill>
                   <a:srgbClr val="FFFFFF"/>
                 </a:solidFill>
               </a14:hiddenFill>
             </a:ext>
             <a:ext uri="{91240B29-F687-4f45-9708-019B960494DF}">
-              <a14:hiddenLine xmlns:a14="http://schemas.microsoft.com/office/drawing/2010/main" xmlns="" w="12700" cap="flat">
+              <a14:hiddenLine xmlns="" xmlns:a14="http://schemas.microsoft.com/office/drawing/2010/main" w="12700" cap="flat">
                 <a:solidFill>
                   <a:schemeClr val="tx1"/>
                 </a:solidFill>
@@ -10229,14 +10472,14 @@
           </a:ln>
           <a:extLst>
             <a:ext uri="{909E8E84-426E-40dd-AFC4-6F175D3DCCD1}">
-              <a14:hiddenFill xmlns:a14="http://schemas.microsoft.com/office/drawing/2010/main" xmlns="">
+              <a14:hiddenFill xmlns="" xmlns:a14="http://schemas.microsoft.com/office/drawing/2010/main">
                 <a:solidFill>
                   <a:srgbClr val="FFFFFF"/>
                 </a:solidFill>
               </a14:hiddenFill>
             </a:ext>
             <a:ext uri="{91240B29-F687-4f45-9708-019B960494DF}">
-              <a14:hiddenLine xmlns:a14="http://schemas.microsoft.com/office/drawing/2010/main" xmlns="" w="12700" cap="flat">
+              <a14:hiddenLine xmlns="" xmlns:a14="http://schemas.microsoft.com/office/drawing/2010/main" w="12700" cap="flat">
                 <a:solidFill>
                   <a:schemeClr val="tx1"/>
                 </a:solidFill>
@@ -11345,12 +11588,12 @@
           <a:graphicData uri="http://schemas.openxmlformats.org/presentationml/2006/ole">
             <mc:AlternateContent xmlns:mc="http://schemas.openxmlformats.org/markup-compatibility/2006">
               <mc:Choice xmlns:v="urn:schemas-microsoft-com:vml" Requires="v">
-                <p:oleObj spid="_x0000_s1052" name="Equation" r:id="rId3" imgW="1143000" imgH="1104840" progId="Equation.3">
+                <p:oleObj name="Equation" r:id="rId2" imgW="1143000" imgH="1104840" progId="Equation.3">
                   <p:embed/>
                 </p:oleObj>
               </mc:Choice>
               <mc:Fallback>
-                <p:oleObj name="Equation" r:id="rId3" imgW="1143000" imgH="1104840" progId="Equation.3">
+                <p:oleObj name="Equation" r:id="rId2" imgW="1143000" imgH="1104840" progId="Equation.3">
                   <p:embed/>
                   <p:pic>
                     <p:nvPicPr>
@@ -11359,7 +11602,7 @@
                       <p:nvPr/>
                     </p:nvPicPr>
                     <p:blipFill>
-                      <a:blip r:embed="rId4"/>
+                      <a:blip r:embed="rId3"/>
                       <a:stretch>
                         <a:fillRect/>
                       </a:stretch>
